--- a/Research School/Retreat/Fall 2014/retreat release/A.Amirkhanyan/A.Amirkhanyan.pptx
+++ b/Research School/Retreat/Fall 2014/retreat release/A.Amirkhanyan/A.Amirkhanyan.pptx
@@ -126,7 +126,7 @@
   </p:defaultTextStyle>
   <p:extLst>
     <p:ext uri="{EFAFB233-063F-42B5-8137-9DF3F51BA10A}">
-      <p15:sldGuideLst xmlns:p15="http://schemas.microsoft.com/office/powerpoint/2012/main" xmlns="">
+      <p15:sldGuideLst xmlns="" xmlns:p15="http://schemas.microsoft.com/office/powerpoint/2012/main">
         <p15:guide id="1" orient="horz" pos="781">
           <p15:clr>
             <a:srgbClr val="A4A3A4"/>
@@ -215,7 +215,7 @@
       </p15:sldGuideLst>
     </p:ext>
     <p:ext uri="{2D200454-40CA-4A62-9FC3-DE9A4176ACB9}">
-      <p15:notesGuideLst xmlns:p15="http://schemas.microsoft.com/office/powerpoint/2012/main" xmlns="">
+      <p15:notesGuideLst xmlns="" xmlns:p15="http://schemas.microsoft.com/office/powerpoint/2012/main">
         <p15:guide id="1" orient="horz" pos="2676">
           <p15:clr>
             <a:srgbClr val="A4A3A4"/>
@@ -14013,25 +14013,10 @@
               <a:buChar char="§"/>
             </a:pPr>
             <a:r>
-              <a:rPr lang="en-US" dirty="0" err="1"/>
-              <a:t>FutureSOC</a:t>
-            </a:r>
-            <a:r>
-              <a:rPr lang="en-US" dirty="0"/>
-              <a:t> </a:t>
-            </a:r>
-            <a:r>
-              <a:rPr lang="en-US" dirty="0" err="1"/>
-              <a:t>ESXi</a:t>
-            </a:r>
-            <a:r>
-              <a:rPr lang="en-US" dirty="0"/>
-              <a:t> </a:t>
-            </a:r>
-            <a:r>
               <a:rPr lang="en-US" dirty="0" smtClean="0"/>
-              <a:t>server</a:t>
-            </a:r>
+              <a:t>Future SOC</a:t>
+            </a:r>
+            <a:endParaRPr lang="en-US" dirty="0" smtClean="0"/>
           </a:p>
           <a:p>
             <a:pPr marL="285750" indent="-285750">
@@ -14388,7 +14373,7 @@
           <p:nvPr>
             <p:extLst>
               <p:ext uri="{D42A27DB-BD31-4B8C-83A1-F6EECF244321}">
-                <p14:modId xmlns:p14="http://schemas.microsoft.com/office/powerpoint/2010/main" val="4207488986"/>
+                <p14:modId xmlns:p14="http://schemas.microsoft.com/office/powerpoint/2010/main" val="3259723139"/>
               </p:ext>
             </p:extLst>
           </p:nvPr>
@@ -14453,7 +14438,31 @@
                           <a:ea typeface="+mn-ea"/>
                           <a:cs typeface="+mn-cs"/>
                         </a:rPr>
-                        <a:t>Open the log on window </a:t>
+                        <a:t>Open the </a:t>
+                      </a:r>
+                      <a:r>
+                        <a:rPr lang="en-US" sz="1400" u="none" kern="1200" dirty="0" smtClean="0">
+                          <a:solidFill>
+                            <a:schemeClr val="dk1"/>
+                          </a:solidFill>
+                          <a:effectLst/>
+                          <a:latin typeface="+mn-lt"/>
+                          <a:ea typeface="+mn-ea"/>
+                          <a:cs typeface="+mn-cs"/>
+                        </a:rPr>
+                        <a:t>logon </a:t>
+                      </a:r>
+                      <a:r>
+                        <a:rPr lang="en-US" sz="1400" u="none" kern="1200" dirty="0" smtClean="0">
+                          <a:solidFill>
+                            <a:schemeClr val="dk1"/>
+                          </a:solidFill>
+                          <a:effectLst/>
+                          <a:latin typeface="+mn-lt"/>
+                          <a:ea typeface="+mn-ea"/>
+                          <a:cs typeface="+mn-cs"/>
+                        </a:rPr>
+                        <a:t>window </a:t>
                       </a:r>
                       <a:endParaRPr lang="de-DE" sz="1400" u="none" dirty="0"/>
                     </a:p>
@@ -15354,7 +15363,7 @@
   <a:extraClrSchemeLst/>
   <a:extLst>
     <a:ext uri="{05A4C25C-085E-4340-85A3-A5531E510DB2}">
-      <thm15:themeFamily xmlns:thm15="http://schemas.microsoft.com/office/thememl/2012/main" xmlns="" name="TEMPLATE_HPI_05_EXP" id="{EEEEA749-3836-4DC6-BA52-AE8D0ADE122A}" vid="{1AF48529-3759-4302-91D0-708D448B88CB}"/>
+      <thm15:themeFamily xmlns="" xmlns:thm15="http://schemas.microsoft.com/office/thememl/2012/main" name="TEMPLATE_HPI_05_EXP" id="{EEEEA749-3836-4DC6-BA52-AE8D0ADE122A}" vid="{1AF48529-3759-4302-91D0-708D448B88CB}"/>
     </a:ext>
   </a:extLst>
 </a:theme>
